--- a/presentation/Presentation.pptx
+++ b/presentation/Presentation.pptx
@@ -17330,8 +17330,12 @@
           </a:p>
           <a:p>
             <a:r>
+              <a:rPr lang="en-US" dirty="0" err="1"/>
+              <a:t>Espruino</a:t>
+            </a:r>
+            <a:r>
               <a:rPr lang="en-US" dirty="0"/>
-              <a:t>Extension of the </a:t>
+              <a:t> Tools is an extension of the </a:t>
             </a:r>
             <a:r>
               <a:rPr lang="en-US" dirty="0" err="1"/>
@@ -17345,13 +17349,13 @@
           <a:p>
             <a:r>
               <a:rPr lang="en-US" dirty="0"/>
-              <a:t>Ecosystem of JS packages and web applications.</a:t>
+              <a:t>It’s an ecosystem of JS packages and web applications.</a:t>
             </a:r>
           </a:p>
           <a:p>
             <a:r>
               <a:rPr lang="en-US" dirty="0"/>
-              <a:t>What does it cover?</a:t>
+              <a:t>What does it cover? (environment creation, device connection, p2p device usage)</a:t>
             </a:r>
           </a:p>
         </p:txBody>
@@ -17407,7 +17411,10 @@
           <a:bodyPr/>
           <a:lstStyle/>
           <a:p>
-            <a:endParaRPr lang="en-US" dirty="0"/>
+            <a:r>
+              <a:rPr lang="en-US" dirty="0"/>
+              <a:t>Demos to include</a:t>
+            </a:r>
           </a:p>
         </p:txBody>
       </p:sp>
@@ -17432,7 +17439,13 @@
           <a:bodyPr/>
           <a:lstStyle/>
           <a:p>
-            <a:endParaRPr lang="en-US"/>
+            <a:r>
+              <a:rPr lang="en-US" dirty="0"/>
+              <a:t>NPX tool population, 30 seconds.</a:t>
+            </a:r>
+          </a:p>
+          <a:p>
+            <a:endParaRPr lang="en-US" dirty="0"/>
           </a:p>
         </p:txBody>
       </p:sp>

--- a/presentation/Presentation.pptx
+++ b/presentation/Presentation.pptx
@@ -8,7 +8,9 @@
   <p:sldIdLst>
     <p:sldId id="256" r:id="rId3"/>
     <p:sldId id="257" r:id="rId4"/>
-    <p:sldId id="258" r:id="rId5"/>
+    <p:sldId id="259" r:id="rId5"/>
+    <p:sldId id="258" r:id="rId6"/>
+    <p:sldId id="260" r:id="rId7"/>
   </p:sldIdLst>
   <p:sldSz cx="12192000" cy="6858000"/>
   <p:notesSz cx="6858000" cy="9144000"/>
@@ -17395,6 +17397,98 @@
           <p:cNvPr id="2" name="Title 1">
             <a:extLst>
               <a:ext uri="{FF2B5EF4-FFF2-40B4-BE49-F238E27FC236}">
+                <a16:creationId xmlns:a16="http://schemas.microsoft.com/office/drawing/2014/main" id="{4E8ACA07-BC51-FC47-2815-D81A826D301F}"/>
+              </a:ext>
+            </a:extLst>
+          </p:cNvPr>
+          <p:cNvSpPr>
+            <a:spLocks noGrp="1"/>
+          </p:cNvSpPr>
+          <p:nvPr>
+            <p:ph type="title"/>
+          </p:nvPr>
+        </p:nvSpPr>
+        <p:spPr/>
+        <p:txBody>
+          <a:bodyPr/>
+          <a:lstStyle/>
+          <a:p>
+            <a:r>
+              <a:rPr lang="en-US" dirty="0"/>
+              <a:t>Notes</a:t>
+            </a:r>
+          </a:p>
+        </p:txBody>
+      </p:sp>
+      <p:sp>
+        <p:nvSpPr>
+          <p:cNvPr id="3" name="Content Placeholder 2">
+            <a:extLst>
+              <a:ext uri="{FF2B5EF4-FFF2-40B4-BE49-F238E27FC236}">
+                <a16:creationId xmlns:a16="http://schemas.microsoft.com/office/drawing/2014/main" id="{BE63BDE0-8A2C-84FD-EC8E-8D1DCC080541}"/>
+              </a:ext>
+            </a:extLst>
+          </p:cNvPr>
+          <p:cNvSpPr>
+            <a:spLocks noGrp="1"/>
+          </p:cNvSpPr>
+          <p:nvPr>
+            <p:ph idx="1"/>
+          </p:nvPr>
+        </p:nvSpPr>
+        <p:spPr/>
+        <p:txBody>
+          <a:bodyPr/>
+          <a:lstStyle/>
+          <a:p>
+            <a:r>
+              <a:rPr lang="en-US" dirty="0"/>
+              <a:t>Mention documentation</a:t>
+            </a:r>
+          </a:p>
+          <a:p>
+            <a:r>
+              <a:rPr lang="en-US" dirty="0"/>
+              <a:t>Mention demos hub</a:t>
+            </a:r>
+          </a:p>
+        </p:txBody>
+      </p:sp>
+    </p:spTree>
+    <p:extLst>
+      <p:ext uri="{BB962C8B-B14F-4D97-AF65-F5344CB8AC3E}">
+        <p14:creationId xmlns:p14="http://schemas.microsoft.com/office/powerpoint/2010/main" val="2304347050"/>
+      </p:ext>
+    </p:extLst>
+  </p:cSld>
+  <p:clrMapOvr>
+    <a:masterClrMapping/>
+  </p:clrMapOvr>
+</p:sld>
+</file>
+
+<file path=ppt/slides/slide4.xml><?xml version="1.0" encoding="utf-8"?>
+<p:sld xmlns:a="http://schemas.openxmlformats.org/drawingml/2006/main" xmlns:r="http://schemas.openxmlformats.org/officeDocument/2006/relationships" xmlns:p="http://schemas.openxmlformats.org/presentationml/2006/main">
+  <p:cSld>
+    <p:spTree>
+      <p:nvGrpSpPr>
+        <p:cNvPr id="1" name=""/>
+        <p:cNvGrpSpPr/>
+        <p:nvPr/>
+      </p:nvGrpSpPr>
+      <p:grpSpPr>
+        <a:xfrm>
+          <a:off x="0" y="0"/>
+          <a:ext cx="0" cy="0"/>
+          <a:chOff x="0" y="0"/>
+          <a:chExt cx="0" cy="0"/>
+        </a:xfrm>
+      </p:grpSpPr>
+      <p:sp>
+        <p:nvSpPr>
+          <p:cNvPr id="2" name="Title 1">
+            <a:extLst>
+              <a:ext uri="{FF2B5EF4-FFF2-40B4-BE49-F238E27FC236}">
                 <a16:creationId xmlns:a16="http://schemas.microsoft.com/office/drawing/2014/main" id="{E0114B60-3C98-0653-1C84-31C4E7D1C6B1}"/>
               </a:ext>
             </a:extLst>
@@ -17441,7 +17535,7 @@
           <a:p>
             <a:r>
               <a:rPr lang="en-US" dirty="0"/>
-              <a:t>NPX tool population, 30 seconds.</a:t>
+              <a:t>NPX tool population, 30 seconds. Timelapse, side by side comparison with and without tool.</a:t>
             </a:r>
           </a:p>
           <a:p>
@@ -17453,6 +17547,89 @@
     <p:extLst>
       <p:ext uri="{BB962C8B-B14F-4D97-AF65-F5344CB8AC3E}">
         <p14:creationId xmlns:p14="http://schemas.microsoft.com/office/powerpoint/2010/main" val="837846350"/>
+      </p:ext>
+    </p:extLst>
+  </p:cSld>
+  <p:clrMapOvr>
+    <a:masterClrMapping/>
+  </p:clrMapOvr>
+</p:sld>
+</file>
+
+<file path=ppt/slides/slide5.xml><?xml version="1.0" encoding="utf-8"?>
+<p:sld xmlns:a="http://schemas.openxmlformats.org/drawingml/2006/main" xmlns:r="http://schemas.openxmlformats.org/officeDocument/2006/relationships" xmlns:p="http://schemas.openxmlformats.org/presentationml/2006/main">
+  <p:cSld>
+    <p:spTree>
+      <p:nvGrpSpPr>
+        <p:cNvPr id="1" name=""/>
+        <p:cNvGrpSpPr/>
+        <p:nvPr/>
+      </p:nvGrpSpPr>
+      <p:grpSpPr>
+        <a:xfrm>
+          <a:off x="0" y="0"/>
+          <a:ext cx="0" cy="0"/>
+          <a:chOff x="0" y="0"/>
+          <a:chExt cx="0" cy="0"/>
+        </a:xfrm>
+      </p:grpSpPr>
+      <p:sp>
+        <p:nvSpPr>
+          <p:cNvPr id="2" name="Title 1">
+            <a:extLst>
+              <a:ext uri="{FF2B5EF4-FFF2-40B4-BE49-F238E27FC236}">
+                <a16:creationId xmlns:a16="http://schemas.microsoft.com/office/drawing/2014/main" id="{14E8B766-19FD-267C-3317-03DE383ADFD4}"/>
+              </a:ext>
+            </a:extLst>
+          </p:cNvPr>
+          <p:cNvSpPr>
+            <a:spLocks noGrp="1"/>
+          </p:cNvSpPr>
+          <p:nvPr>
+            <p:ph type="title"/>
+          </p:nvPr>
+        </p:nvSpPr>
+        <p:spPr/>
+        <p:txBody>
+          <a:bodyPr/>
+          <a:lstStyle/>
+          <a:p>
+            <a:r>
+              <a:rPr lang="en-US" dirty="0"/>
+              <a:t>Show user studies / evaluation</a:t>
+            </a:r>
+          </a:p>
+        </p:txBody>
+      </p:sp>
+      <p:sp>
+        <p:nvSpPr>
+          <p:cNvPr id="3" name="Content Placeholder 2">
+            <a:extLst>
+              <a:ext uri="{FF2B5EF4-FFF2-40B4-BE49-F238E27FC236}">
+                <a16:creationId xmlns:a16="http://schemas.microsoft.com/office/drawing/2014/main" id="{64B287BF-7E29-CA80-188F-60E1558CD626}"/>
+              </a:ext>
+            </a:extLst>
+          </p:cNvPr>
+          <p:cNvSpPr>
+            <a:spLocks noGrp="1"/>
+          </p:cNvSpPr>
+          <p:nvPr>
+            <p:ph idx="1"/>
+          </p:nvPr>
+        </p:nvSpPr>
+        <p:spPr/>
+        <p:txBody>
+          <a:bodyPr/>
+          <a:lstStyle/>
+          <a:p>
+            <a:endParaRPr lang="en-US" dirty="0"/>
+          </a:p>
+        </p:txBody>
+      </p:sp>
+    </p:spTree>
+    <p:extLst>
+      <p:ext uri="{BB962C8B-B14F-4D97-AF65-F5344CB8AC3E}">
+        <p14:creationId xmlns:p14="http://schemas.microsoft.com/office/powerpoint/2010/main" val="1792827553"/>
       </p:ext>
     </p:extLst>
   </p:cSld>
